--- a/final_project.pptx
+++ b/final_project.pptx
@@ -239,7 +239,7 @@
           <a:p>
             <a:fld id="{5E1E7339-1EE5-46AF-A1D9-A3E5829A2754}" type="datetimeFigureOut">
               <a:rPr lang="zh-TW" altLang="en-US" smtClean="0"/>
-              <a:t>2024/1/10</a:t>
+              <a:t>2024/1/15</a:t>
             </a:fld>
             <a:endParaRPr lang="zh-TW" altLang="en-US"/>
           </a:p>
@@ -416,7 +416,7 @@
           <a:p>
             <a:fld id="{1D77E8EF-464D-834F-B2C0-82A06E09A1B7}" type="datetimeFigureOut">
               <a:rPr kumimoji="1" lang="zh-TW" altLang="en-US" smtClean="0"/>
-              <a:t>2024/1/10</a:t>
+              <a:t>2024/1/15</a:t>
             </a:fld>
             <a:endParaRPr kumimoji="1" lang="zh-TW" altLang="en-US"/>
           </a:p>
@@ -2895,7 +2895,7 @@
           <a:p>
             <a:fld id="{85D0AD6C-A9E9-574F-8856-E671D4BB4BA8}" type="datetime1">
               <a:rPr lang="zh-TW" altLang="en-US" smtClean="0"/>
-              <a:t>2024/1/10</a:t>
+              <a:t>2024/1/15</a:t>
             </a:fld>
             <a:endParaRPr lang="zh-TW" altLang="en-US"/>
           </a:p>
@@ -3257,7 +3257,7 @@
           <a:p>
             <a:fld id="{203C2799-9B6F-994B-87EE-430460C7879E}" type="datetime1">
               <a:rPr lang="zh-TW" altLang="en-US" smtClean="0"/>
-              <a:t>2024/1/10</a:t>
+              <a:t>2024/1/15</a:t>
             </a:fld>
             <a:endParaRPr lang="zh-TW" altLang="en-US"/>
           </a:p>
@@ -3435,7 +3435,7 @@
           <a:p>
             <a:fld id="{F28F6D44-73F8-D84D-8167-03A197471927}" type="datetime1">
               <a:rPr lang="zh-TW" altLang="en-US" smtClean="0"/>
-              <a:t>2024/1/10</a:t>
+              <a:t>2024/1/15</a:t>
             </a:fld>
             <a:endParaRPr lang="zh-TW" altLang="en-US"/>
           </a:p>
@@ -3636,7 +3636,7 @@
           <a:p>
             <a:fld id="{76B68532-FB43-6F4D-ACDF-C61501B871C6}" type="datetime1">
               <a:rPr lang="zh-TW" altLang="en-US" smtClean="0"/>
-              <a:t>2024/1/10</a:t>
+              <a:t>2024/1/15</a:t>
             </a:fld>
             <a:endParaRPr lang="zh-TW" altLang="en-US"/>
           </a:p>
@@ -3881,7 +3881,7 @@
           <a:p>
             <a:fld id="{63CBFE4E-3F68-3341-B98F-AB55216115E5}" type="datetime1">
               <a:rPr lang="zh-TW" altLang="en-US" smtClean="0"/>
-              <a:t>2024/1/10</a:t>
+              <a:t>2024/1/15</a:t>
             </a:fld>
             <a:endParaRPr lang="zh-TW" altLang="en-US"/>
           </a:p>
@@ -4110,7 +4110,7 @@
           <a:p>
             <a:fld id="{2EB2DAD6-497E-C44E-9730-D3F9C430AB5B}" type="datetime1">
               <a:rPr lang="zh-TW" altLang="en-US" smtClean="0"/>
-              <a:t>2024/1/10</a:t>
+              <a:t>2024/1/15</a:t>
             </a:fld>
             <a:endParaRPr lang="zh-TW" altLang="en-US"/>
           </a:p>
@@ -4474,7 +4474,7 @@
           <a:p>
             <a:fld id="{FC846E9D-E8B7-384E-8C19-8B29816B523F}" type="datetime1">
               <a:rPr lang="zh-TW" altLang="en-US" smtClean="0"/>
-              <a:t>2024/1/10</a:t>
+              <a:t>2024/1/15</a:t>
             </a:fld>
             <a:endParaRPr lang="zh-TW" altLang="en-US"/>
           </a:p>
@@ -4591,7 +4591,7 @@
           <a:p>
             <a:fld id="{D185F88A-EC96-6741-A572-930B374B2DDA}" type="datetime1">
               <a:rPr lang="zh-TW" altLang="en-US" smtClean="0"/>
-              <a:t>2024/1/10</a:t>
+              <a:t>2024/1/15</a:t>
             </a:fld>
             <a:endParaRPr lang="zh-TW" altLang="en-US"/>
           </a:p>
@@ -4686,7 +4686,7 @@
           <a:p>
             <a:fld id="{5BD85660-467C-8C45-813B-9E089A88A47D}" type="datetime1">
               <a:rPr lang="zh-TW" altLang="en-US" smtClean="0"/>
-              <a:t>2024/1/10</a:t>
+              <a:t>2024/1/15</a:t>
             </a:fld>
             <a:endParaRPr lang="zh-TW" altLang="en-US"/>
           </a:p>
@@ -4961,7 +4961,7 @@
           <a:p>
             <a:fld id="{C6834C56-2D4B-F744-9915-6EF75659F0BD}" type="datetime1">
               <a:rPr lang="zh-TW" altLang="en-US" smtClean="0"/>
-              <a:t>2024/1/10</a:t>
+              <a:t>2024/1/15</a:t>
             </a:fld>
             <a:endParaRPr lang="zh-TW" altLang="en-US"/>
           </a:p>
@@ -5213,7 +5213,7 @@
           <a:p>
             <a:fld id="{AB7E637A-D7CF-A941-9AC5-2C6C0718A7CF}" type="datetime1">
               <a:rPr lang="zh-TW" altLang="en-US" smtClean="0"/>
-              <a:t>2024/1/10</a:t>
+              <a:t>2024/1/15</a:t>
             </a:fld>
             <a:endParaRPr lang="zh-TW" altLang="en-US"/>
           </a:p>
@@ -5363,7 +5363,7 @@
           <a:p>
             <a:fld id="{B9782FB9-FE33-4B4F-A94D-34DEB5074976}" type="datetime1">
               <a:rPr lang="zh-TW" altLang="en-US" smtClean="0"/>
-              <a:t>2024/1/10</a:t>
+              <a:t>2024/1/15</a:t>
             </a:fld>
             <a:endParaRPr lang="zh-TW" altLang="en-US"/>
           </a:p>
@@ -13292,7 +13292,15 @@
             </a:r>
             <a:r>
               <a:rPr lang="en-US" altLang="zh-TW" sz="1000" dirty="0"/>
-              <a:t> "C:\Users\user\DS_final_project\final_project_2023\data-more“ "C:\Users\user\DS_final_project\final_project_2023\query_more.txt“ 1st_try_output.txt</a:t>
+              <a:t> “C:\Users\user\DS_final_project\final_project_2023\data“ ”C:\Users\user\DS_final_project\final_project_2023\query.txt“</a:t>
+            </a:r>
+            <a:r>
+              <a:rPr lang="zh-TW" altLang="en-US" sz="1000" dirty="0"/>
+              <a:t> </a:t>
+            </a:r>
+            <a:r>
+              <a:rPr lang="en-US" altLang="zh-TW" sz="1000" dirty="0"/>
+              <a:t>suck_my_dick.txt</a:t>
             </a:r>
           </a:p>
           <a:p>
@@ -13306,15 +13314,7 @@
             </a:r>
             <a:r>
               <a:rPr lang="en-US" altLang="zh-TW" sz="1000" dirty="0"/>
-              <a:t> "C:\Users\user\DS_final_project\final_project_2023\data-more“ "C:\Users\user\DS_final_project\final_project_2023\1</a:t>
-            </a:r>
-            <a:r>
-              <a:rPr lang="en-US" altLang="zh-TW" sz="1000" baseline="30000" dirty="0"/>
-              <a:t>st</a:t>
-            </a:r>
-            <a:r>
-              <a:rPr lang="en-US" altLang="zh-TW" sz="1000" dirty="0"/>
-              <a:t>_try.txt“ 1st_try_output.txt</a:t>
+              <a:t> "C:\Users\user\DS_final_project\final_project_2023\data-more“ "C:\Users\user\DS_final_project\final_project_2023\query_more.txt“ suck_my_dick.txt</a:t>
             </a:r>
           </a:p>
           <a:p>
@@ -14493,6 +14493,12 @@
 </file>
 
 <file path=customXml/item2.xml><?xml version="1.0" encoding="utf-8"?>
+<p:properties xmlns:p="http://schemas.microsoft.com/office/2006/metadata/properties" xmlns:xsi="http://www.w3.org/2001/XMLSchema-instance" xmlns:pc="http://schemas.microsoft.com/office/infopath/2007/PartnerControls">
+  <documentManagement/>
+</p:properties>
+</file>
+
+<file path=customXml/item3.xml><?xml version="1.0" encoding="utf-8"?>
 <ct:contentTypeSchema xmlns:ct="http://schemas.microsoft.com/office/2006/metadata/contentType" xmlns:ma="http://schemas.microsoft.com/office/2006/metadata/properties/metaAttributes" ct:_="" ma:_="" ma:contentTypeName="文件" ma:contentTypeID="0x01010005F2B278A4586C47A00ADEFF145AC6A9" ma:contentTypeVersion="11" ma:contentTypeDescription="建立新的文件。" ma:contentTypeScope="" ma:versionID="7ac14af3493c057b50464c4ab63c1b13">
   <xsd:schema xmlns:xsd="http://www.w3.org/2001/XMLSchema" xmlns:xs="http://www.w3.org/2001/XMLSchema" xmlns:p="http://schemas.microsoft.com/office/2006/metadata/properties" xmlns:ns3="dc2a9912-8d20-4aa2-a91a-424f659f047c" targetNamespace="http://schemas.microsoft.com/office/2006/metadata/properties" ma:root="true" ma:fieldsID="78129c52199e705d20c1a66b734892db" ns3:_="">
     <xsd:import namespace="dc2a9912-8d20-4aa2-a91a-424f659f047c"/>
@@ -14682,12 +14688,6 @@
 </ct:contentTypeSchema>
 </file>
 
-<file path=customXml/item3.xml><?xml version="1.0" encoding="utf-8"?>
-<p:properties xmlns:p="http://schemas.microsoft.com/office/2006/metadata/properties" xmlns:xsi="http://www.w3.org/2001/XMLSchema-instance" xmlns:pc="http://schemas.microsoft.com/office/infopath/2007/PartnerControls">
-  <documentManagement/>
-</p:properties>
-</file>
-
 <file path=customXml/itemProps1.xml><?xml version="1.0" encoding="utf-8"?>
 <ds:datastoreItem xmlns:ds="http://schemas.openxmlformats.org/officeDocument/2006/customXml" ds:itemID="{505C61EB-B360-41D5-87A4-C87D170BB471}">
   <ds:schemaRefs>
@@ -14697,6 +14697,22 @@
 </file>
 
 <file path=customXml/itemProps2.xml><?xml version="1.0" encoding="utf-8"?>
+<ds:datastoreItem xmlns:ds="http://schemas.openxmlformats.org/officeDocument/2006/customXml" ds:itemID="{D4D71359-2851-4AA4-8218-3348213920D8}">
+  <ds:schemaRefs>
+    <ds:schemaRef ds:uri="http://purl.org/dc/terms/"/>
+    <ds:schemaRef ds:uri="http://purl.org/dc/dcmitype/"/>
+    <ds:schemaRef ds:uri="http://schemas.microsoft.com/office/infopath/2007/PartnerControls"/>
+    <ds:schemaRef ds:uri="dc2a9912-8d20-4aa2-a91a-424f659f047c"/>
+    <ds:schemaRef ds:uri="http://schemas.microsoft.com/office/2006/metadata/properties"/>
+    <ds:schemaRef ds:uri="http://schemas.microsoft.com/office/2006/documentManagement/types"/>
+    <ds:schemaRef ds:uri="http://www.w3.org/XML/1998/namespace"/>
+    <ds:schemaRef ds:uri="http://schemas.openxmlformats.org/package/2006/metadata/core-properties"/>
+    <ds:schemaRef ds:uri="http://purl.org/dc/elements/1.1/"/>
+  </ds:schemaRefs>
+</ds:datastoreItem>
+</file>
+
+<file path=customXml/itemProps3.xml><?xml version="1.0" encoding="utf-8"?>
 <ds:datastoreItem xmlns:ds="http://schemas.openxmlformats.org/officeDocument/2006/customXml" ds:itemID="{128E356C-39F7-40AA-B943-313C472E4F18}">
   <ds:schemaRefs>
     <ds:schemaRef ds:uri="http://schemas.microsoft.com/office/2006/metadata/contentType"/>
@@ -14712,20 +14728,4 @@
     <ds:schemaRef ds:uri="http://schemas.microsoft.com/internal/obd"/>
   </ds:schemaRefs>
 </ds:datastoreItem>
-</file>
-
-<file path=customXml/itemProps3.xml><?xml version="1.0" encoding="utf-8"?>
-<ds:datastoreItem xmlns:ds="http://schemas.openxmlformats.org/officeDocument/2006/customXml" ds:itemID="{D4D71359-2851-4AA4-8218-3348213920D8}">
-  <ds:schemaRefs>
-    <ds:schemaRef ds:uri="http://purl.org/dc/terms/"/>
-    <ds:schemaRef ds:uri="http://purl.org/dc/dcmitype/"/>
-    <ds:schemaRef ds:uri="http://schemas.microsoft.com/office/infopath/2007/PartnerControls"/>
-    <ds:schemaRef ds:uri="dc2a9912-8d20-4aa2-a91a-424f659f047c"/>
-    <ds:schemaRef ds:uri="http://schemas.microsoft.com/office/2006/metadata/properties"/>
-    <ds:schemaRef ds:uri="http://schemas.microsoft.com/office/2006/documentManagement/types"/>
-    <ds:schemaRef ds:uri="http://www.w3.org/XML/1998/namespace"/>
-    <ds:schemaRef ds:uri="http://schemas.openxmlformats.org/package/2006/metadata/core-properties"/>
-    <ds:schemaRef ds:uri="http://purl.org/dc/elements/1.1/"/>
-  </ds:schemaRefs>
-</ds:datastoreItem>
 </file>